--- a/Requisitos/2 - Analise do Problema/4 - Fronteira Sistemica.pptx
+++ b/Requisitos/2 - Analise do Problema/4 - Fronteira Sistemica.pptx
@@ -104,6 +104,11 @@
       </a:defRPr>
     </a:lvl9pPr>
   </p:defaultTextStyle>
+  <p:extLst>
+    <p:ext uri="{EFAFB233-063F-42B5-8137-9DF3F51BA10A}">
+      <p15:sldGuideLst xmlns:p15="http://schemas.microsoft.com/office/powerpoint/2012/main"/>
+    </p:ext>
+  </p:extLst>
 </p:presentation>
 </file>
 
@@ -149,10 +154,9 @@
           </a:lstStyle>
           <a:p>
             <a:r>
-              <a:rPr lang="pt-BR" smtClean="0"/>
+              <a:rPr lang="pt-BR"/>
               <a:t>Clique para editar o título mestre</a:t>
             </a:r>
-            <a:endParaRPr lang="pt-BR"/>
           </a:p>
         </p:txBody>
       </p:sp>
@@ -214,10 +218,9 @@
           </a:lstStyle>
           <a:p>
             <a:r>
-              <a:rPr lang="pt-BR" smtClean="0"/>
+              <a:rPr lang="pt-BR"/>
               <a:t>Clique para editar o estilo do subtítulo mestre</a:t>
             </a:r>
-            <a:endParaRPr lang="pt-BR"/>
           </a:p>
         </p:txBody>
       </p:sp>
@@ -238,7 +241,7 @@
           <a:p>
             <a:fld id="{B2096650-E7EA-4A08-B117-E0683C6EDBD0}" type="datetimeFigureOut">
               <a:rPr lang="pt-BR" smtClean="0"/>
-              <a:t>15/08/2016</a:t>
+              <a:t>18/09/2016</a:t>
             </a:fld>
             <a:endParaRPr lang="pt-BR"/>
           </a:p>
@@ -332,10 +335,9 @@
           <a:lstStyle/>
           <a:p>
             <a:r>
-              <a:rPr lang="pt-BR" smtClean="0"/>
+              <a:rPr lang="pt-BR"/>
               <a:t>Clique para editar o título mestre</a:t>
             </a:r>
-            <a:endParaRPr lang="pt-BR"/>
           </a:p>
         </p:txBody>
       </p:sp>
@@ -356,38 +358,37 @@
           <a:p>
             <a:pPr lvl="0"/>
             <a:r>
-              <a:rPr lang="pt-BR" smtClean="0"/>
+              <a:rPr lang="pt-BR"/>
               <a:t>Clique para editar o texto mestre</a:t>
             </a:r>
           </a:p>
           <a:p>
             <a:pPr lvl="1"/>
             <a:r>
-              <a:rPr lang="pt-BR" smtClean="0"/>
+              <a:rPr lang="pt-BR"/>
               <a:t>Segundo nível</a:t>
             </a:r>
           </a:p>
           <a:p>
             <a:pPr lvl="2"/>
             <a:r>
-              <a:rPr lang="pt-BR" smtClean="0"/>
+              <a:rPr lang="pt-BR"/>
               <a:t>Terceiro nível</a:t>
             </a:r>
           </a:p>
           <a:p>
             <a:pPr lvl="3"/>
             <a:r>
-              <a:rPr lang="pt-BR" smtClean="0"/>
+              <a:rPr lang="pt-BR"/>
               <a:t>Quarto nível</a:t>
             </a:r>
           </a:p>
           <a:p>
             <a:pPr lvl="4"/>
             <a:r>
-              <a:rPr lang="pt-BR" smtClean="0"/>
+              <a:rPr lang="pt-BR"/>
               <a:t>Quinto nível</a:t>
             </a:r>
-            <a:endParaRPr lang="pt-BR"/>
           </a:p>
         </p:txBody>
       </p:sp>
@@ -408,7 +409,7 @@
           <a:p>
             <a:fld id="{B2096650-E7EA-4A08-B117-E0683C6EDBD0}" type="datetimeFigureOut">
               <a:rPr lang="pt-BR" smtClean="0"/>
-              <a:t>15/08/2016</a:t>
+              <a:t>18/09/2016</a:t>
             </a:fld>
             <a:endParaRPr lang="pt-BR"/>
           </a:p>
@@ -507,10 +508,9 @@
           <a:lstStyle/>
           <a:p>
             <a:r>
-              <a:rPr lang="pt-BR" smtClean="0"/>
+              <a:rPr lang="pt-BR"/>
               <a:t>Clique para editar o título mestre</a:t>
             </a:r>
-            <a:endParaRPr lang="pt-BR"/>
           </a:p>
         </p:txBody>
       </p:sp>
@@ -536,38 +536,37 @@
           <a:p>
             <a:pPr lvl="0"/>
             <a:r>
-              <a:rPr lang="pt-BR" smtClean="0"/>
+              <a:rPr lang="pt-BR"/>
               <a:t>Clique para editar o texto mestre</a:t>
             </a:r>
           </a:p>
           <a:p>
             <a:pPr lvl="1"/>
             <a:r>
-              <a:rPr lang="pt-BR" smtClean="0"/>
+              <a:rPr lang="pt-BR"/>
               <a:t>Segundo nível</a:t>
             </a:r>
           </a:p>
           <a:p>
             <a:pPr lvl="2"/>
             <a:r>
-              <a:rPr lang="pt-BR" smtClean="0"/>
+              <a:rPr lang="pt-BR"/>
               <a:t>Terceiro nível</a:t>
             </a:r>
           </a:p>
           <a:p>
             <a:pPr lvl="3"/>
             <a:r>
-              <a:rPr lang="pt-BR" smtClean="0"/>
+              <a:rPr lang="pt-BR"/>
               <a:t>Quarto nível</a:t>
             </a:r>
           </a:p>
           <a:p>
             <a:pPr lvl="4"/>
             <a:r>
-              <a:rPr lang="pt-BR" smtClean="0"/>
+              <a:rPr lang="pt-BR"/>
               <a:t>Quinto nível</a:t>
             </a:r>
-            <a:endParaRPr lang="pt-BR"/>
           </a:p>
         </p:txBody>
       </p:sp>
@@ -588,7 +587,7 @@
           <a:p>
             <a:fld id="{B2096650-E7EA-4A08-B117-E0683C6EDBD0}" type="datetimeFigureOut">
               <a:rPr lang="pt-BR" smtClean="0"/>
-              <a:t>15/08/2016</a:t>
+              <a:t>18/09/2016</a:t>
             </a:fld>
             <a:endParaRPr lang="pt-BR"/>
           </a:p>
@@ -682,10 +681,9 @@
           <a:lstStyle/>
           <a:p>
             <a:r>
-              <a:rPr lang="pt-BR" smtClean="0"/>
+              <a:rPr lang="pt-BR"/>
               <a:t>Clique para editar o título mestre</a:t>
             </a:r>
-            <a:endParaRPr lang="pt-BR"/>
           </a:p>
         </p:txBody>
       </p:sp>
@@ -706,38 +704,37 @@
           <a:p>
             <a:pPr lvl="0"/>
             <a:r>
-              <a:rPr lang="pt-BR" smtClean="0"/>
+              <a:rPr lang="pt-BR"/>
               <a:t>Clique para editar o texto mestre</a:t>
             </a:r>
           </a:p>
           <a:p>
             <a:pPr lvl="1"/>
             <a:r>
-              <a:rPr lang="pt-BR" smtClean="0"/>
+              <a:rPr lang="pt-BR"/>
               <a:t>Segundo nível</a:t>
             </a:r>
           </a:p>
           <a:p>
             <a:pPr lvl="2"/>
             <a:r>
-              <a:rPr lang="pt-BR" smtClean="0"/>
+              <a:rPr lang="pt-BR"/>
               <a:t>Terceiro nível</a:t>
             </a:r>
           </a:p>
           <a:p>
             <a:pPr lvl="3"/>
             <a:r>
-              <a:rPr lang="pt-BR" smtClean="0"/>
+              <a:rPr lang="pt-BR"/>
               <a:t>Quarto nível</a:t>
             </a:r>
           </a:p>
           <a:p>
             <a:pPr lvl="4"/>
             <a:r>
-              <a:rPr lang="pt-BR" smtClean="0"/>
+              <a:rPr lang="pt-BR"/>
               <a:t>Quinto nível</a:t>
             </a:r>
-            <a:endParaRPr lang="pt-BR"/>
           </a:p>
         </p:txBody>
       </p:sp>
@@ -758,7 +755,7 @@
           <a:p>
             <a:fld id="{B2096650-E7EA-4A08-B117-E0683C6EDBD0}" type="datetimeFigureOut">
               <a:rPr lang="pt-BR" smtClean="0"/>
-              <a:t>15/08/2016</a:t>
+              <a:t>18/09/2016</a:t>
             </a:fld>
             <a:endParaRPr lang="pt-BR"/>
           </a:p>
@@ -861,10 +858,9 @@
           </a:lstStyle>
           <a:p>
             <a:r>
-              <a:rPr lang="pt-BR" smtClean="0"/>
+              <a:rPr lang="pt-BR"/>
               <a:t>Clique para editar o título mestre</a:t>
             </a:r>
-            <a:endParaRPr lang="pt-BR"/>
           </a:p>
         </p:txBody>
       </p:sp>
@@ -981,7 +977,7 @@
           <a:p>
             <a:pPr lvl="0"/>
             <a:r>
-              <a:rPr lang="pt-BR" smtClean="0"/>
+              <a:rPr lang="pt-BR"/>
               <a:t>Clique para editar o texto mestre</a:t>
             </a:r>
           </a:p>
@@ -1004,7 +1000,7 @@
           <a:p>
             <a:fld id="{B2096650-E7EA-4A08-B117-E0683C6EDBD0}" type="datetimeFigureOut">
               <a:rPr lang="pt-BR" smtClean="0"/>
-              <a:t>15/08/2016</a:t>
+              <a:t>18/09/2016</a:t>
             </a:fld>
             <a:endParaRPr lang="pt-BR"/>
           </a:p>
@@ -1098,10 +1094,9 @@
           <a:lstStyle/>
           <a:p>
             <a:r>
-              <a:rPr lang="pt-BR" smtClean="0"/>
+              <a:rPr lang="pt-BR"/>
               <a:t>Clique para editar o título mestre</a:t>
             </a:r>
-            <a:endParaRPr lang="pt-BR"/>
           </a:p>
         </p:txBody>
       </p:sp>
@@ -1127,38 +1122,37 @@
           <a:p>
             <a:pPr lvl="0"/>
             <a:r>
-              <a:rPr lang="pt-BR" smtClean="0"/>
+              <a:rPr lang="pt-BR"/>
               <a:t>Clique para editar o texto mestre</a:t>
             </a:r>
           </a:p>
           <a:p>
             <a:pPr lvl="1"/>
             <a:r>
-              <a:rPr lang="pt-BR" smtClean="0"/>
+              <a:rPr lang="pt-BR"/>
               <a:t>Segundo nível</a:t>
             </a:r>
           </a:p>
           <a:p>
             <a:pPr lvl="2"/>
             <a:r>
-              <a:rPr lang="pt-BR" smtClean="0"/>
+              <a:rPr lang="pt-BR"/>
               <a:t>Terceiro nível</a:t>
             </a:r>
           </a:p>
           <a:p>
             <a:pPr lvl="3"/>
             <a:r>
-              <a:rPr lang="pt-BR" smtClean="0"/>
+              <a:rPr lang="pt-BR"/>
               <a:t>Quarto nível</a:t>
             </a:r>
           </a:p>
           <a:p>
             <a:pPr lvl="4"/>
             <a:r>
-              <a:rPr lang="pt-BR" smtClean="0"/>
+              <a:rPr lang="pt-BR"/>
               <a:t>Quinto nível</a:t>
             </a:r>
-            <a:endParaRPr lang="pt-BR"/>
           </a:p>
         </p:txBody>
       </p:sp>
@@ -1184,38 +1178,37 @@
           <a:p>
             <a:pPr lvl="0"/>
             <a:r>
-              <a:rPr lang="pt-BR" smtClean="0"/>
+              <a:rPr lang="pt-BR"/>
               <a:t>Clique para editar o texto mestre</a:t>
             </a:r>
           </a:p>
           <a:p>
             <a:pPr lvl="1"/>
             <a:r>
-              <a:rPr lang="pt-BR" smtClean="0"/>
+              <a:rPr lang="pt-BR"/>
               <a:t>Segundo nível</a:t>
             </a:r>
           </a:p>
           <a:p>
             <a:pPr lvl="2"/>
             <a:r>
-              <a:rPr lang="pt-BR" smtClean="0"/>
+              <a:rPr lang="pt-BR"/>
               <a:t>Terceiro nível</a:t>
             </a:r>
           </a:p>
           <a:p>
             <a:pPr lvl="3"/>
             <a:r>
-              <a:rPr lang="pt-BR" smtClean="0"/>
+              <a:rPr lang="pt-BR"/>
               <a:t>Quarto nível</a:t>
             </a:r>
           </a:p>
           <a:p>
             <a:pPr lvl="4"/>
             <a:r>
-              <a:rPr lang="pt-BR" smtClean="0"/>
+              <a:rPr lang="pt-BR"/>
               <a:t>Quinto nível</a:t>
             </a:r>
-            <a:endParaRPr lang="pt-BR"/>
           </a:p>
         </p:txBody>
       </p:sp>
@@ -1236,7 +1229,7 @@
           <a:p>
             <a:fld id="{B2096650-E7EA-4A08-B117-E0683C6EDBD0}" type="datetimeFigureOut">
               <a:rPr lang="pt-BR" smtClean="0"/>
-              <a:t>15/08/2016</a:t>
+              <a:t>18/09/2016</a:t>
             </a:fld>
             <a:endParaRPr lang="pt-BR"/>
           </a:p>
@@ -1335,10 +1328,9 @@
           <a:lstStyle/>
           <a:p>
             <a:r>
-              <a:rPr lang="pt-BR" smtClean="0"/>
+              <a:rPr lang="pt-BR"/>
               <a:t>Clique para editar o título mestre</a:t>
             </a:r>
-            <a:endParaRPr lang="pt-BR"/>
           </a:p>
         </p:txBody>
       </p:sp>
@@ -1401,7 +1393,7 @@
           <a:p>
             <a:pPr lvl="0"/>
             <a:r>
-              <a:rPr lang="pt-BR" smtClean="0"/>
+              <a:rPr lang="pt-BR"/>
               <a:t>Clique para editar o texto mestre</a:t>
             </a:r>
           </a:p>
@@ -1429,38 +1421,37 @@
           <a:p>
             <a:pPr lvl="0"/>
             <a:r>
-              <a:rPr lang="pt-BR" smtClean="0"/>
+              <a:rPr lang="pt-BR"/>
               <a:t>Clique para editar o texto mestre</a:t>
             </a:r>
           </a:p>
           <a:p>
             <a:pPr lvl="1"/>
             <a:r>
-              <a:rPr lang="pt-BR" smtClean="0"/>
+              <a:rPr lang="pt-BR"/>
               <a:t>Segundo nível</a:t>
             </a:r>
           </a:p>
           <a:p>
             <a:pPr lvl="2"/>
             <a:r>
-              <a:rPr lang="pt-BR" smtClean="0"/>
+              <a:rPr lang="pt-BR"/>
               <a:t>Terceiro nível</a:t>
             </a:r>
           </a:p>
           <a:p>
             <a:pPr lvl="3"/>
             <a:r>
-              <a:rPr lang="pt-BR" smtClean="0"/>
+              <a:rPr lang="pt-BR"/>
               <a:t>Quarto nível</a:t>
             </a:r>
           </a:p>
           <a:p>
             <a:pPr lvl="4"/>
             <a:r>
-              <a:rPr lang="pt-BR" smtClean="0"/>
+              <a:rPr lang="pt-BR"/>
               <a:t>Quinto nível</a:t>
             </a:r>
-            <a:endParaRPr lang="pt-BR"/>
           </a:p>
         </p:txBody>
       </p:sp>
@@ -1523,7 +1514,7 @@
           <a:p>
             <a:pPr lvl="0"/>
             <a:r>
-              <a:rPr lang="pt-BR" smtClean="0"/>
+              <a:rPr lang="pt-BR"/>
               <a:t>Clique para editar o texto mestre</a:t>
             </a:r>
           </a:p>
@@ -1551,38 +1542,37 @@
           <a:p>
             <a:pPr lvl="0"/>
             <a:r>
-              <a:rPr lang="pt-BR" smtClean="0"/>
+              <a:rPr lang="pt-BR"/>
               <a:t>Clique para editar o texto mestre</a:t>
             </a:r>
           </a:p>
           <a:p>
             <a:pPr lvl="1"/>
             <a:r>
-              <a:rPr lang="pt-BR" smtClean="0"/>
+              <a:rPr lang="pt-BR"/>
               <a:t>Segundo nível</a:t>
             </a:r>
           </a:p>
           <a:p>
             <a:pPr lvl="2"/>
             <a:r>
-              <a:rPr lang="pt-BR" smtClean="0"/>
+              <a:rPr lang="pt-BR"/>
               <a:t>Terceiro nível</a:t>
             </a:r>
           </a:p>
           <a:p>
             <a:pPr lvl="3"/>
             <a:r>
-              <a:rPr lang="pt-BR" smtClean="0"/>
+              <a:rPr lang="pt-BR"/>
               <a:t>Quarto nível</a:t>
             </a:r>
           </a:p>
           <a:p>
             <a:pPr lvl="4"/>
             <a:r>
-              <a:rPr lang="pt-BR" smtClean="0"/>
+              <a:rPr lang="pt-BR"/>
               <a:t>Quinto nível</a:t>
             </a:r>
-            <a:endParaRPr lang="pt-BR"/>
           </a:p>
         </p:txBody>
       </p:sp>
@@ -1603,7 +1593,7 @@
           <a:p>
             <a:fld id="{B2096650-E7EA-4A08-B117-E0683C6EDBD0}" type="datetimeFigureOut">
               <a:rPr lang="pt-BR" smtClean="0"/>
-              <a:t>15/08/2016</a:t>
+              <a:t>18/09/2016</a:t>
             </a:fld>
             <a:endParaRPr lang="pt-BR"/>
           </a:p>
@@ -1697,10 +1687,9 @@
           <a:lstStyle/>
           <a:p>
             <a:r>
-              <a:rPr lang="pt-BR" smtClean="0"/>
+              <a:rPr lang="pt-BR"/>
               <a:t>Clique para editar o título mestre</a:t>
             </a:r>
-            <a:endParaRPr lang="pt-BR"/>
           </a:p>
         </p:txBody>
       </p:sp>
@@ -1721,7 +1710,7 @@
           <a:p>
             <a:fld id="{B2096650-E7EA-4A08-B117-E0683C6EDBD0}" type="datetimeFigureOut">
               <a:rPr lang="pt-BR" smtClean="0"/>
-              <a:t>15/08/2016</a:t>
+              <a:t>18/09/2016</a:t>
             </a:fld>
             <a:endParaRPr lang="pt-BR"/>
           </a:p>
@@ -1816,7 +1805,7 @@
           <a:p>
             <a:fld id="{B2096650-E7EA-4A08-B117-E0683C6EDBD0}" type="datetimeFigureOut">
               <a:rPr lang="pt-BR" smtClean="0"/>
-              <a:t>15/08/2016</a:t>
+              <a:t>18/09/2016</a:t>
             </a:fld>
             <a:endParaRPr lang="pt-BR"/>
           </a:p>
@@ -1919,10 +1908,9 @@
           </a:lstStyle>
           <a:p>
             <a:r>
-              <a:rPr lang="pt-BR" smtClean="0"/>
+              <a:rPr lang="pt-BR"/>
               <a:t>Clique para editar o título mestre</a:t>
             </a:r>
-            <a:endParaRPr lang="pt-BR"/>
           </a:p>
         </p:txBody>
       </p:sp>
@@ -1976,38 +1964,37 @@
           <a:p>
             <a:pPr lvl="0"/>
             <a:r>
-              <a:rPr lang="pt-BR" smtClean="0"/>
+              <a:rPr lang="pt-BR"/>
               <a:t>Clique para editar o texto mestre</a:t>
             </a:r>
           </a:p>
           <a:p>
             <a:pPr lvl="1"/>
             <a:r>
-              <a:rPr lang="pt-BR" smtClean="0"/>
+              <a:rPr lang="pt-BR"/>
               <a:t>Segundo nível</a:t>
             </a:r>
           </a:p>
           <a:p>
             <a:pPr lvl="2"/>
             <a:r>
-              <a:rPr lang="pt-BR" smtClean="0"/>
+              <a:rPr lang="pt-BR"/>
               <a:t>Terceiro nível</a:t>
             </a:r>
           </a:p>
           <a:p>
             <a:pPr lvl="3"/>
             <a:r>
-              <a:rPr lang="pt-BR" smtClean="0"/>
+              <a:rPr lang="pt-BR"/>
               <a:t>Quarto nível</a:t>
             </a:r>
           </a:p>
           <a:p>
             <a:pPr lvl="4"/>
             <a:r>
-              <a:rPr lang="pt-BR" smtClean="0"/>
+              <a:rPr lang="pt-BR"/>
               <a:t>Quinto nível</a:t>
             </a:r>
-            <a:endParaRPr lang="pt-BR"/>
           </a:p>
         </p:txBody>
       </p:sp>
@@ -2070,7 +2057,7 @@
           <a:p>
             <a:pPr lvl="0"/>
             <a:r>
-              <a:rPr lang="pt-BR" smtClean="0"/>
+              <a:rPr lang="pt-BR"/>
               <a:t>Clique para editar o texto mestre</a:t>
             </a:r>
           </a:p>
@@ -2093,7 +2080,7 @@
           <a:p>
             <a:fld id="{B2096650-E7EA-4A08-B117-E0683C6EDBD0}" type="datetimeFigureOut">
               <a:rPr lang="pt-BR" smtClean="0"/>
-              <a:t>15/08/2016</a:t>
+              <a:t>18/09/2016</a:t>
             </a:fld>
             <a:endParaRPr lang="pt-BR"/>
           </a:p>
@@ -2196,10 +2183,9 @@
           </a:lstStyle>
           <a:p>
             <a:r>
-              <a:rPr lang="pt-BR" smtClean="0"/>
+              <a:rPr lang="pt-BR"/>
               <a:t>Clique para editar o título mestre</a:t>
             </a:r>
-            <a:endParaRPr lang="pt-BR"/>
           </a:p>
         </p:txBody>
       </p:sp>
@@ -2323,7 +2309,7 @@
           <a:p>
             <a:pPr lvl="0"/>
             <a:r>
-              <a:rPr lang="pt-BR" smtClean="0"/>
+              <a:rPr lang="pt-BR"/>
               <a:t>Clique para editar o texto mestre</a:t>
             </a:r>
           </a:p>
@@ -2346,7 +2332,7 @@
           <a:p>
             <a:fld id="{B2096650-E7EA-4A08-B117-E0683C6EDBD0}" type="datetimeFigureOut">
               <a:rPr lang="pt-BR" smtClean="0"/>
-              <a:t>15/08/2016</a:t>
+              <a:t>18/09/2016</a:t>
             </a:fld>
             <a:endParaRPr lang="pt-BR"/>
           </a:p>
@@ -2455,10 +2441,9 @@
           <a:lstStyle/>
           <a:p>
             <a:r>
-              <a:rPr lang="pt-BR" smtClean="0"/>
+              <a:rPr lang="pt-BR"/>
               <a:t>Clique para editar o título mestre</a:t>
             </a:r>
-            <a:endParaRPr lang="pt-BR"/>
           </a:p>
         </p:txBody>
       </p:sp>
@@ -2489,38 +2474,37 @@
           <a:p>
             <a:pPr lvl="0"/>
             <a:r>
-              <a:rPr lang="pt-BR" smtClean="0"/>
+              <a:rPr lang="pt-BR"/>
               <a:t>Clique para editar o texto mestre</a:t>
             </a:r>
           </a:p>
           <a:p>
             <a:pPr lvl="1"/>
             <a:r>
-              <a:rPr lang="pt-BR" smtClean="0"/>
+              <a:rPr lang="pt-BR"/>
               <a:t>Segundo nível</a:t>
             </a:r>
           </a:p>
           <a:p>
             <a:pPr lvl="2"/>
             <a:r>
-              <a:rPr lang="pt-BR" smtClean="0"/>
+              <a:rPr lang="pt-BR"/>
               <a:t>Terceiro nível</a:t>
             </a:r>
           </a:p>
           <a:p>
             <a:pPr lvl="3"/>
             <a:r>
-              <a:rPr lang="pt-BR" smtClean="0"/>
+              <a:rPr lang="pt-BR"/>
               <a:t>Quarto nível</a:t>
             </a:r>
           </a:p>
           <a:p>
             <a:pPr lvl="4"/>
             <a:r>
-              <a:rPr lang="pt-BR" smtClean="0"/>
+              <a:rPr lang="pt-BR"/>
               <a:t>Quinto nível</a:t>
             </a:r>
-            <a:endParaRPr lang="pt-BR"/>
           </a:p>
         </p:txBody>
       </p:sp>
@@ -2559,7 +2543,7 @@
           <a:p>
             <a:fld id="{B2096650-E7EA-4A08-B117-E0683C6EDBD0}" type="datetimeFigureOut">
               <a:rPr lang="pt-BR" smtClean="0"/>
-              <a:t>15/08/2016</a:t>
+              <a:t>18/09/2016</a:t>
             </a:fld>
             <a:endParaRPr lang="pt-BR"/>
           </a:p>
@@ -3001,7 +2985,7 @@
           <a:p>
             <a:pPr algn="ctr"/>
             <a:r>
-              <a:rPr lang="pt-BR" sz="2400" dirty="0" err="1" smtClean="0">
+              <a:rPr lang="pt-BR" sz="2400" dirty="0" err="1">
                 <a:solidFill>
                   <a:schemeClr val="bg1"/>
                 </a:solidFill>
@@ -3009,18 +2993,13 @@
               <a:t>Wcob</a:t>
             </a:r>
             <a:r>
-              <a:rPr lang="pt-BR" sz="2400" dirty="0" smtClean="0">
+              <a:rPr lang="pt-BR" sz="2400" dirty="0">
                 <a:solidFill>
                   <a:schemeClr val="bg1"/>
                 </a:solidFill>
               </a:rPr>
               <a:t> Web</a:t>
             </a:r>
-            <a:endParaRPr lang="pt-BR" sz="2400" dirty="0">
-              <a:solidFill>
-                <a:schemeClr val="bg1"/>
-              </a:solidFill>
-            </a:endParaRPr>
           </a:p>
         </p:txBody>
       </p:sp>
@@ -3145,7 +3124,7 @@
         </p:nvSpPr>
         <p:spPr>
           <a:xfrm>
-            <a:off x="3491121" y="915106"/>
+            <a:off x="5952967" y="115006"/>
             <a:ext cx="288234" cy="278295"/>
           </a:xfrm>
           <a:prstGeom prst="ellipse">
@@ -3187,7 +3166,7 @@
         </p:nvCxnSpPr>
         <p:spPr>
           <a:xfrm>
-            <a:off x="3635238" y="1193401"/>
+            <a:off x="6097084" y="393301"/>
             <a:ext cx="0" cy="376747"/>
           </a:xfrm>
           <a:prstGeom prst="line">
@@ -3217,7 +3196,7 @@
         </p:nvCxnSpPr>
         <p:spPr>
           <a:xfrm flipH="1">
-            <a:off x="3468757" y="1558564"/>
+            <a:off x="5930603" y="758464"/>
             <a:ext cx="166481" cy="159966"/>
           </a:xfrm>
           <a:prstGeom prst="line">
@@ -3247,7 +3226,7 @@
         </p:nvCxnSpPr>
         <p:spPr>
           <a:xfrm>
-            <a:off x="3624056" y="1552655"/>
+            <a:off x="6085902" y="752555"/>
             <a:ext cx="204995" cy="134648"/>
           </a:xfrm>
           <a:prstGeom prst="line">
@@ -3277,7 +3256,7 @@
         </p:nvCxnSpPr>
         <p:spPr>
           <a:xfrm>
-            <a:off x="3438319" y="1282148"/>
+            <a:off x="5900165" y="482048"/>
             <a:ext cx="409990" cy="0"/>
           </a:xfrm>
           <a:prstGeom prst="line">
@@ -3307,7 +3286,7 @@
         </p:nvSpPr>
         <p:spPr>
           <a:xfrm>
-            <a:off x="3220277" y="1705554"/>
+            <a:off x="5109660" y="1122062"/>
             <a:ext cx="1181237" cy="246221"/>
           </a:xfrm>
           <a:prstGeom prst="rect">
@@ -3322,10 +3301,9 @@
           <a:lstStyle/>
           <a:p>
             <a:r>
-              <a:rPr lang="pt-BR" sz="1000" dirty="0" smtClean="0"/>
+              <a:rPr lang="pt-BR" sz="1000" dirty="0"/>
               <a:t>Proprietários</a:t>
             </a:r>
-            <a:endParaRPr lang="pt-BR" sz="1000" dirty="0"/>
           </a:p>
         </p:txBody>
       </p:sp>
@@ -3337,8 +3315,8 @@
         </p:nvCxnSpPr>
         <p:spPr>
           <a:xfrm>
-            <a:off x="3779355" y="1379501"/>
-            <a:ext cx="1236591" cy="1065435"/>
+            <a:off x="6085902" y="939313"/>
+            <a:ext cx="19258" cy="1206010"/>
           </a:xfrm>
           <a:prstGeom prst="straightConnector1">
             <a:avLst/>
@@ -3588,175 +3566,12 @@
           <a:lstStyle/>
           <a:p>
             <a:r>
-              <a:rPr lang="pt-BR" sz="1000" dirty="0" smtClean="0"/>
+              <a:rPr lang="pt-BR" sz="1000" dirty="0"/>
               <a:t>Cobradores</a:t>
             </a:r>
-            <a:endParaRPr lang="pt-BR" sz="1000" dirty="0"/>
-          </a:p>
-        </p:txBody>
-      </p:sp>
-      <p:sp>
-        <p:nvSpPr>
-          <p:cNvPr id="46" name="Elipse 45"/>
-          <p:cNvSpPr/>
-          <p:nvPr/>
-        </p:nvSpPr>
-        <p:spPr>
-          <a:xfrm>
-            <a:off x="6028912" y="0"/>
-            <a:ext cx="288234" cy="278295"/>
-          </a:xfrm>
-          <a:prstGeom prst="ellipse">
-            <a:avLst/>
-          </a:prstGeom>
-        </p:spPr>
-        <p:style>
-          <a:lnRef idx="2">
-            <a:schemeClr val="accent1">
-              <a:shade val="50000"/>
-            </a:schemeClr>
-          </a:lnRef>
-          <a:fillRef idx="1">
-            <a:schemeClr val="accent1"/>
-          </a:fillRef>
-          <a:effectRef idx="0">
-            <a:schemeClr val="accent1"/>
-          </a:effectRef>
-          <a:fontRef idx="minor">
-            <a:schemeClr val="lt1"/>
-          </a:fontRef>
-        </p:style>
-        <p:txBody>
-          <a:bodyPr rtlCol="0" anchor="ctr"/>
-          <a:lstStyle/>
-          <a:p>
-            <a:pPr algn="ctr"/>
-            <a:endParaRPr lang="pt-BR"/>
-          </a:p>
-        </p:txBody>
-      </p:sp>
-      <p:cxnSp>
-        <p:nvCxnSpPr>
-          <p:cNvPr id="47" name="Conector reto 46"/>
-          <p:cNvCxnSpPr>
-            <a:stCxn id="46" idx="4"/>
-          </p:cNvCxnSpPr>
-          <p:nvPr/>
-        </p:nvCxnSpPr>
-        <p:spPr>
-          <a:xfrm>
-            <a:off x="6173029" y="278295"/>
-            <a:ext cx="0" cy="376747"/>
-          </a:xfrm>
-          <a:prstGeom prst="line">
-            <a:avLst/>
-          </a:prstGeom>
-        </p:spPr>
-        <p:style>
-          <a:lnRef idx="1">
-            <a:schemeClr val="accent1"/>
-          </a:lnRef>
-          <a:fillRef idx="0">
-            <a:schemeClr val="accent1"/>
-          </a:fillRef>
-          <a:effectRef idx="0">
-            <a:schemeClr val="accent1"/>
-          </a:effectRef>
-          <a:fontRef idx="minor">
-            <a:schemeClr val="tx1"/>
-          </a:fontRef>
-        </p:style>
-      </p:cxnSp>
-      <p:cxnSp>
-        <p:nvCxnSpPr>
-          <p:cNvPr id="48" name="Conector reto 47"/>
-          <p:cNvCxnSpPr/>
-          <p:nvPr/>
-        </p:nvCxnSpPr>
-        <p:spPr>
-          <a:xfrm flipH="1">
-            <a:off x="6006548" y="643458"/>
-            <a:ext cx="166481" cy="159966"/>
-          </a:xfrm>
-          <a:prstGeom prst="line">
-            <a:avLst/>
-          </a:prstGeom>
-        </p:spPr>
-        <p:style>
-          <a:lnRef idx="1">
-            <a:schemeClr val="accent1"/>
-          </a:lnRef>
-          <a:fillRef idx="0">
-            <a:schemeClr val="accent1"/>
-          </a:fillRef>
-          <a:effectRef idx="0">
-            <a:schemeClr val="accent1"/>
-          </a:effectRef>
-          <a:fontRef idx="minor">
-            <a:schemeClr val="tx1"/>
-          </a:fontRef>
-        </p:style>
-      </p:cxnSp>
-      <p:cxnSp>
-        <p:nvCxnSpPr>
-          <p:cNvPr id="49" name="Conector reto 48"/>
-          <p:cNvCxnSpPr/>
-          <p:nvPr/>
-        </p:nvCxnSpPr>
-        <p:spPr>
-          <a:xfrm>
-            <a:off x="6161847" y="637549"/>
-            <a:ext cx="204995" cy="134648"/>
-          </a:xfrm>
-          <a:prstGeom prst="line">
-            <a:avLst/>
-          </a:prstGeom>
-        </p:spPr>
-        <p:style>
-          <a:lnRef idx="1">
-            <a:schemeClr val="accent1"/>
-          </a:lnRef>
-          <a:fillRef idx="0">
-            <a:schemeClr val="accent1"/>
-          </a:fillRef>
-          <a:effectRef idx="0">
-            <a:schemeClr val="accent1"/>
-          </a:effectRef>
-          <a:fontRef idx="minor">
-            <a:schemeClr val="tx1"/>
-          </a:fontRef>
-        </p:style>
-      </p:cxnSp>
-      <p:cxnSp>
-        <p:nvCxnSpPr>
-          <p:cNvPr id="50" name="Conector reto 49"/>
-          <p:cNvCxnSpPr/>
-          <p:nvPr/>
-        </p:nvCxnSpPr>
-        <p:spPr>
-          <a:xfrm>
-            <a:off x="5976110" y="367042"/>
-            <a:ext cx="409990" cy="0"/>
-          </a:xfrm>
-          <a:prstGeom prst="line">
-            <a:avLst/>
-          </a:prstGeom>
-        </p:spPr>
-        <p:style>
-          <a:lnRef idx="1">
-            <a:schemeClr val="accent1"/>
-          </a:lnRef>
-          <a:fillRef idx="0">
-            <a:schemeClr val="accent1"/>
-          </a:fillRef>
-          <a:effectRef idx="0">
-            <a:schemeClr val="accent1"/>
-          </a:effectRef>
-          <a:fontRef idx="minor">
-            <a:schemeClr val="tx1"/>
-          </a:fontRef>
-        </p:style>
-      </p:cxnSp>
+          </a:p>
+        </p:txBody>
+      </p:sp>
       <p:sp>
         <p:nvSpPr>
           <p:cNvPr id="51" name="Elipse 50"/>
@@ -3765,7 +3580,7 @@
         </p:nvSpPr>
         <p:spPr>
           <a:xfrm>
-            <a:off x="9134201" y="2153755"/>
+            <a:off x="9452003" y="4506874"/>
             <a:ext cx="288234" cy="278295"/>
           </a:xfrm>
           <a:prstGeom prst="ellipse">
@@ -3807,7 +3622,7 @@
         </p:nvCxnSpPr>
         <p:spPr>
           <a:xfrm>
-            <a:off x="9278318" y="2432050"/>
+            <a:off x="9596120" y="4785169"/>
             <a:ext cx="0" cy="376747"/>
           </a:xfrm>
           <a:prstGeom prst="line">
@@ -3837,7 +3652,7 @@
         </p:nvCxnSpPr>
         <p:spPr>
           <a:xfrm flipH="1">
-            <a:off x="9111837" y="2797213"/>
+            <a:off x="9429639" y="5150332"/>
             <a:ext cx="166481" cy="159966"/>
           </a:xfrm>
           <a:prstGeom prst="line">
@@ -3867,7 +3682,7 @@
         </p:nvCxnSpPr>
         <p:spPr>
           <a:xfrm>
-            <a:off x="9267136" y="2791304"/>
+            <a:off x="9584938" y="5144423"/>
             <a:ext cx="204995" cy="134648"/>
           </a:xfrm>
           <a:prstGeom prst="line">
@@ -3897,278 +3712,12 @@
         </p:nvCxnSpPr>
         <p:spPr>
           <a:xfrm>
-            <a:off x="9081399" y="2520797"/>
+            <a:off x="9399201" y="4873916"/>
             <a:ext cx="409990" cy="0"/>
           </a:xfrm>
           <a:prstGeom prst="line">
             <a:avLst/>
           </a:prstGeom>
-        </p:spPr>
-        <p:style>
-          <a:lnRef idx="1">
-            <a:schemeClr val="accent1"/>
-          </a:lnRef>
-          <a:fillRef idx="0">
-            <a:schemeClr val="accent1"/>
-          </a:fillRef>
-          <a:effectRef idx="0">
-            <a:schemeClr val="accent1"/>
-          </a:effectRef>
-          <a:fontRef idx="minor">
-            <a:schemeClr val="tx1"/>
-          </a:fontRef>
-        </p:style>
-      </p:cxnSp>
-      <p:sp>
-        <p:nvSpPr>
-          <p:cNvPr id="56" name="Elipse 55"/>
-          <p:cNvSpPr/>
-          <p:nvPr/>
-        </p:nvSpPr>
-        <p:spPr>
-          <a:xfrm>
-            <a:off x="8590307" y="5248801"/>
-            <a:ext cx="288234" cy="278295"/>
-          </a:xfrm>
-          <a:prstGeom prst="ellipse">
-            <a:avLst/>
-          </a:prstGeom>
-        </p:spPr>
-        <p:style>
-          <a:lnRef idx="2">
-            <a:schemeClr val="accent1">
-              <a:shade val="50000"/>
-            </a:schemeClr>
-          </a:lnRef>
-          <a:fillRef idx="1">
-            <a:schemeClr val="accent1"/>
-          </a:fillRef>
-          <a:effectRef idx="0">
-            <a:schemeClr val="accent1"/>
-          </a:effectRef>
-          <a:fontRef idx="minor">
-            <a:schemeClr val="lt1"/>
-          </a:fontRef>
-        </p:style>
-        <p:txBody>
-          <a:bodyPr rtlCol="0" anchor="ctr"/>
-          <a:lstStyle/>
-          <a:p>
-            <a:pPr algn="ctr"/>
-            <a:endParaRPr lang="pt-BR"/>
-          </a:p>
-        </p:txBody>
-      </p:sp>
-      <p:cxnSp>
-        <p:nvCxnSpPr>
-          <p:cNvPr id="57" name="Conector reto 56"/>
-          <p:cNvCxnSpPr>
-            <a:stCxn id="56" idx="4"/>
-          </p:cNvCxnSpPr>
-          <p:nvPr/>
-        </p:nvCxnSpPr>
-        <p:spPr>
-          <a:xfrm>
-            <a:off x="8734424" y="5527096"/>
-            <a:ext cx="0" cy="376747"/>
-          </a:xfrm>
-          <a:prstGeom prst="line">
-            <a:avLst/>
-          </a:prstGeom>
-        </p:spPr>
-        <p:style>
-          <a:lnRef idx="1">
-            <a:schemeClr val="accent1"/>
-          </a:lnRef>
-          <a:fillRef idx="0">
-            <a:schemeClr val="accent1"/>
-          </a:fillRef>
-          <a:effectRef idx="0">
-            <a:schemeClr val="accent1"/>
-          </a:effectRef>
-          <a:fontRef idx="minor">
-            <a:schemeClr val="tx1"/>
-          </a:fontRef>
-        </p:style>
-      </p:cxnSp>
-      <p:cxnSp>
-        <p:nvCxnSpPr>
-          <p:cNvPr id="58" name="Conector reto 57"/>
-          <p:cNvCxnSpPr/>
-          <p:nvPr/>
-        </p:nvCxnSpPr>
-        <p:spPr>
-          <a:xfrm flipH="1">
-            <a:off x="8567943" y="5892259"/>
-            <a:ext cx="166481" cy="159966"/>
-          </a:xfrm>
-          <a:prstGeom prst="line">
-            <a:avLst/>
-          </a:prstGeom>
-        </p:spPr>
-        <p:style>
-          <a:lnRef idx="1">
-            <a:schemeClr val="accent1"/>
-          </a:lnRef>
-          <a:fillRef idx="0">
-            <a:schemeClr val="accent1"/>
-          </a:fillRef>
-          <a:effectRef idx="0">
-            <a:schemeClr val="accent1"/>
-          </a:effectRef>
-          <a:fontRef idx="minor">
-            <a:schemeClr val="tx1"/>
-          </a:fontRef>
-        </p:style>
-      </p:cxnSp>
-      <p:cxnSp>
-        <p:nvCxnSpPr>
-          <p:cNvPr id="59" name="Conector reto 58"/>
-          <p:cNvCxnSpPr/>
-          <p:nvPr/>
-        </p:nvCxnSpPr>
-        <p:spPr>
-          <a:xfrm>
-            <a:off x="8723242" y="5886350"/>
-            <a:ext cx="204995" cy="134648"/>
-          </a:xfrm>
-          <a:prstGeom prst="line">
-            <a:avLst/>
-          </a:prstGeom>
-        </p:spPr>
-        <p:style>
-          <a:lnRef idx="1">
-            <a:schemeClr val="accent1"/>
-          </a:lnRef>
-          <a:fillRef idx="0">
-            <a:schemeClr val="accent1"/>
-          </a:fillRef>
-          <a:effectRef idx="0">
-            <a:schemeClr val="accent1"/>
-          </a:effectRef>
-          <a:fontRef idx="minor">
-            <a:schemeClr val="tx1"/>
-          </a:fontRef>
-        </p:style>
-      </p:cxnSp>
-      <p:cxnSp>
-        <p:nvCxnSpPr>
-          <p:cNvPr id="60" name="Conector reto 59"/>
-          <p:cNvCxnSpPr/>
-          <p:nvPr/>
-        </p:nvCxnSpPr>
-        <p:spPr>
-          <a:xfrm>
-            <a:off x="8537505" y="5615843"/>
-            <a:ext cx="409990" cy="0"/>
-          </a:xfrm>
-          <a:prstGeom prst="line">
-            <a:avLst/>
-          </a:prstGeom>
-        </p:spPr>
-        <p:style>
-          <a:lnRef idx="1">
-            <a:schemeClr val="accent1"/>
-          </a:lnRef>
-          <a:fillRef idx="0">
-            <a:schemeClr val="accent1"/>
-          </a:fillRef>
-          <a:effectRef idx="0">
-            <a:schemeClr val="accent1"/>
-          </a:effectRef>
-          <a:fontRef idx="minor">
-            <a:schemeClr val="tx1"/>
-          </a:fontRef>
-        </p:style>
-      </p:cxnSp>
-      <p:cxnSp>
-        <p:nvCxnSpPr>
-          <p:cNvPr id="61" name="Conector de seta reta 60"/>
-          <p:cNvCxnSpPr/>
-          <p:nvPr/>
-        </p:nvCxnSpPr>
-        <p:spPr>
-          <a:xfrm flipH="1">
-            <a:off x="6161848" y="1033122"/>
-            <a:ext cx="11181" cy="1163426"/>
-          </a:xfrm>
-          <a:prstGeom prst="straightConnector1">
-            <a:avLst/>
-          </a:prstGeom>
-          <a:ln w="12700">
-            <a:solidFill>
-              <a:schemeClr val="tx1"/>
-            </a:solidFill>
-            <a:headEnd type="triangle"/>
-            <a:tailEnd type="triangle"/>
-          </a:ln>
-        </p:spPr>
-        <p:style>
-          <a:lnRef idx="1">
-            <a:schemeClr val="accent1"/>
-          </a:lnRef>
-          <a:fillRef idx="0">
-            <a:schemeClr val="accent1"/>
-          </a:fillRef>
-          <a:effectRef idx="0">
-            <a:schemeClr val="accent1"/>
-          </a:effectRef>
-          <a:fontRef idx="minor">
-            <a:schemeClr val="tx1"/>
-          </a:fontRef>
-        </p:style>
-      </p:cxnSp>
-      <p:sp>
-        <p:nvSpPr>
-          <p:cNvPr id="66" name="CaixaDeTexto 65"/>
-          <p:cNvSpPr txBox="1"/>
-          <p:nvPr/>
-        </p:nvSpPr>
-        <p:spPr>
-          <a:xfrm>
-            <a:off x="5776223" y="786348"/>
-            <a:ext cx="1181237" cy="246221"/>
-          </a:xfrm>
-          <a:prstGeom prst="rect">
-            <a:avLst/>
-          </a:prstGeom>
-          <a:noFill/>
-        </p:spPr>
-        <p:txBody>
-          <a:bodyPr wrap="square" rtlCol="0">
-            <a:spAutoFit/>
-          </a:bodyPr>
-          <a:lstStyle/>
-          <a:p>
-            <a:r>
-              <a:rPr lang="pt-BR" sz="1000" dirty="0" smtClean="0"/>
-              <a:t>Fornecedores</a:t>
-            </a:r>
-            <a:endParaRPr lang="pt-BR" sz="1000" dirty="0"/>
-          </a:p>
-        </p:txBody>
-      </p:sp>
-      <p:cxnSp>
-        <p:nvCxnSpPr>
-          <p:cNvPr id="70" name="Conector de seta reta 69"/>
-          <p:cNvCxnSpPr/>
-          <p:nvPr/>
-        </p:nvCxnSpPr>
-        <p:spPr>
-          <a:xfrm>
-            <a:off x="7079836" y="4294675"/>
-            <a:ext cx="1448974" cy="1420794"/>
-          </a:xfrm>
-          <a:prstGeom prst="straightConnector1">
-            <a:avLst/>
-          </a:prstGeom>
-          <a:ln w="12700">
-            <a:solidFill>
-              <a:schemeClr val="tx1"/>
-            </a:solidFill>
-            <a:headEnd type="triangle"/>
-            <a:tailEnd type="triangle"/>
-          </a:ln>
         </p:spPr>
         <p:style>
           <a:lnRef idx="1">
@@ -4192,9 +3741,9 @@
           <p:nvPr/>
         </p:nvCxnSpPr>
         <p:spPr>
-          <a:xfrm flipH="1">
-            <a:off x="7380082" y="2733260"/>
-            <a:ext cx="1754119" cy="695740"/>
+          <a:xfrm flipH="1" flipV="1">
+            <a:off x="7332785" y="3868615"/>
+            <a:ext cx="1994358" cy="945431"/>
           </a:xfrm>
           <a:prstGeom prst="straightConnector1">
             <a:avLst/>
@@ -4224,13 +3773,13 @@
       </p:cxnSp>
       <p:sp>
         <p:nvSpPr>
-          <p:cNvPr id="77" name="CaixaDeTexto 76"/>
+          <p:cNvPr id="78" name="CaixaDeTexto 77"/>
           <p:cNvSpPr txBox="1"/>
           <p:nvPr/>
         </p:nvSpPr>
         <p:spPr>
           <a:xfrm>
-            <a:off x="8356876" y="6114476"/>
+            <a:off x="9970553" y="4907671"/>
             <a:ext cx="1181237" cy="246221"/>
           </a:xfrm>
           <a:prstGeom prst="rect">
@@ -4245,40 +3794,9 @@
           <a:lstStyle/>
           <a:p>
             <a:r>
-              <a:rPr lang="pt-BR" sz="1000" dirty="0" smtClean="0"/>
-              <a:t>Desenvolvimento</a:t>
-            </a:r>
-            <a:endParaRPr lang="pt-BR" sz="1000" dirty="0"/>
-          </a:p>
-        </p:txBody>
-      </p:sp>
-      <p:sp>
-        <p:nvSpPr>
-          <p:cNvPr id="78" name="CaixaDeTexto 77"/>
-          <p:cNvSpPr txBox="1"/>
-          <p:nvPr/>
-        </p:nvSpPr>
-        <p:spPr>
-          <a:xfrm>
-            <a:off x="8900770" y="3014699"/>
-            <a:ext cx="1181237" cy="246221"/>
-          </a:xfrm>
-          <a:prstGeom prst="rect">
-            <a:avLst/>
-          </a:prstGeom>
-          <a:noFill/>
-        </p:spPr>
-        <p:txBody>
-          <a:bodyPr wrap="square" rtlCol="0">
-            <a:spAutoFit/>
-          </a:bodyPr>
-          <a:lstStyle/>
-          <a:p>
-            <a:r>
-              <a:rPr lang="pt-BR" sz="1000" dirty="0" smtClean="0"/>
+              <a:rPr lang="pt-BR" sz="1000" dirty="0"/>
               <a:t>Credores</a:t>
             </a:r>
-            <a:endParaRPr lang="pt-BR" sz="1000" dirty="0"/>
           </a:p>
         </p:txBody>
       </p:sp>
@@ -4335,7 +3853,7 @@
         </p:nvSpPr>
         <p:spPr>
           <a:xfrm>
-            <a:off x="8156260" y="1122414"/>
+            <a:off x="7992471" y="1122062"/>
             <a:ext cx="1850277" cy="646331"/>
           </a:xfrm>
           <a:prstGeom prst="rect">
@@ -4350,16 +3868,15 @@
           <a:lstStyle/>
           <a:p>
             <a:r>
-              <a:rPr lang="pt-BR" dirty="0" smtClean="0"/>
+              <a:rPr lang="pt-BR" dirty="0"/>
               <a:t>Fronteira do </a:t>
             </a:r>
           </a:p>
           <a:p>
             <a:r>
-              <a:rPr lang="pt-BR" dirty="0" smtClean="0"/>
+              <a:rPr lang="pt-BR" dirty="0"/>
               <a:t>sistema</a:t>
             </a:r>
-            <a:endParaRPr lang="pt-BR" dirty="0"/>
           </a:p>
         </p:txBody>
       </p:sp>
